--- a/Latex/ppts/section2.pptx
+++ b/Latex/ppts/section2.pptx
@@ -243,7 +243,7 @@
           <a:p>
             <a:fld id="{135520F0-0A49-9F43-AA44-C897DF556468}" type="datetimeFigureOut">
               <a:rPr lang="en-US" smtClean="0"/>
-              <a:t>6/7/18</a:t>
+              <a:t>6/12/18</a:t>
             </a:fld>
             <a:endParaRPr lang="en-US"/>
           </a:p>
@@ -413,7 +413,7 @@
           <a:p>
             <a:fld id="{135520F0-0A49-9F43-AA44-C897DF556468}" type="datetimeFigureOut">
               <a:rPr lang="en-US" smtClean="0"/>
-              <a:t>6/7/18</a:t>
+              <a:t>6/12/18</a:t>
             </a:fld>
             <a:endParaRPr lang="en-US"/>
           </a:p>
@@ -593,7 +593,7 @@
           <a:p>
             <a:fld id="{135520F0-0A49-9F43-AA44-C897DF556468}" type="datetimeFigureOut">
               <a:rPr lang="en-US" smtClean="0"/>
-              <a:t>6/7/18</a:t>
+              <a:t>6/12/18</a:t>
             </a:fld>
             <a:endParaRPr lang="en-US"/>
           </a:p>
@@ -763,7 +763,7 @@
           <a:p>
             <a:fld id="{135520F0-0A49-9F43-AA44-C897DF556468}" type="datetimeFigureOut">
               <a:rPr lang="en-US" smtClean="0"/>
-              <a:t>6/7/18</a:t>
+              <a:t>6/12/18</a:t>
             </a:fld>
             <a:endParaRPr lang="en-US"/>
           </a:p>
@@ -1009,7 +1009,7 @@
           <a:p>
             <a:fld id="{135520F0-0A49-9F43-AA44-C897DF556468}" type="datetimeFigureOut">
               <a:rPr lang="en-US" smtClean="0"/>
-              <a:t>6/7/18</a:t>
+              <a:t>6/12/18</a:t>
             </a:fld>
             <a:endParaRPr lang="en-US"/>
           </a:p>
@@ -1241,7 +1241,7 @@
           <a:p>
             <a:fld id="{135520F0-0A49-9F43-AA44-C897DF556468}" type="datetimeFigureOut">
               <a:rPr lang="en-US" smtClean="0"/>
-              <a:t>6/7/18</a:t>
+              <a:t>6/12/18</a:t>
             </a:fld>
             <a:endParaRPr lang="en-US"/>
           </a:p>
@@ -1608,7 +1608,7 @@
           <a:p>
             <a:fld id="{135520F0-0A49-9F43-AA44-C897DF556468}" type="datetimeFigureOut">
               <a:rPr lang="en-US" smtClean="0"/>
-              <a:t>6/7/18</a:t>
+              <a:t>6/12/18</a:t>
             </a:fld>
             <a:endParaRPr lang="en-US"/>
           </a:p>
@@ -1726,7 +1726,7 @@
           <a:p>
             <a:fld id="{135520F0-0A49-9F43-AA44-C897DF556468}" type="datetimeFigureOut">
               <a:rPr lang="en-US" smtClean="0"/>
-              <a:t>6/7/18</a:t>
+              <a:t>6/12/18</a:t>
             </a:fld>
             <a:endParaRPr lang="en-US"/>
           </a:p>
@@ -1821,7 +1821,7 @@
           <a:p>
             <a:fld id="{135520F0-0A49-9F43-AA44-C897DF556468}" type="datetimeFigureOut">
               <a:rPr lang="en-US" smtClean="0"/>
-              <a:t>6/7/18</a:t>
+              <a:t>6/12/18</a:t>
             </a:fld>
             <a:endParaRPr lang="en-US"/>
           </a:p>
@@ -2098,7 +2098,7 @@
           <a:p>
             <a:fld id="{135520F0-0A49-9F43-AA44-C897DF556468}" type="datetimeFigureOut">
               <a:rPr lang="en-US" smtClean="0"/>
-              <a:t>6/7/18</a:t>
+              <a:t>6/12/18</a:t>
             </a:fld>
             <a:endParaRPr lang="en-US"/>
           </a:p>
@@ -2351,7 +2351,7 @@
           <a:p>
             <a:fld id="{135520F0-0A49-9F43-AA44-C897DF556468}" type="datetimeFigureOut">
               <a:rPr lang="en-US" smtClean="0"/>
-              <a:t>6/7/18</a:t>
+              <a:t>6/12/18</a:t>
             </a:fld>
             <a:endParaRPr lang="en-US"/>
           </a:p>
@@ -2564,7 +2564,7 @@
           <a:p>
             <a:fld id="{135520F0-0A49-9F43-AA44-C897DF556468}" type="datetimeFigureOut">
               <a:rPr lang="en-US" smtClean="0"/>
-              <a:t>6/7/18</a:t>
+              <a:t>6/12/18</a:t>
             </a:fld>
             <a:endParaRPr lang="en-US"/>
           </a:p>
@@ -2977,7 +2977,7 @@
         </p:nvSpPr>
         <p:spPr>
           <a:xfrm>
-            <a:off x="5173065" y="4749996"/>
+            <a:off x="5173065" y="4086234"/>
             <a:ext cx="1358176" cy="481897"/>
           </a:xfrm>
           <a:prstGeom prst="rect">
@@ -3017,7 +3017,7 @@
         </p:nvSpPr>
         <p:spPr>
           <a:xfrm>
-            <a:off x="5173065" y="4079660"/>
+            <a:off x="5173065" y="3415896"/>
             <a:ext cx="1358176" cy="481897"/>
           </a:xfrm>
           <a:prstGeom prst="rect">
@@ -3057,7 +3057,7 @@
         </p:nvSpPr>
         <p:spPr>
           <a:xfrm>
-            <a:off x="5173065" y="3410362"/>
+            <a:off x="5173065" y="2762924"/>
             <a:ext cx="1358176" cy="480902"/>
           </a:xfrm>
           <a:prstGeom prst="rect">
@@ -3091,53 +3091,13 @@
       </p:sp>
       <p:sp>
         <p:nvSpPr>
-          <p:cNvPr id="7" name="Rectangle 6"/>
-          <p:cNvSpPr/>
-          <p:nvPr/>
-        </p:nvSpPr>
-        <p:spPr>
-          <a:xfrm>
-            <a:off x="5173065" y="2735116"/>
-            <a:ext cx="1358176" cy="481897"/>
-          </a:xfrm>
-          <a:prstGeom prst="rect">
-            <a:avLst/>
-          </a:prstGeom>
-        </p:spPr>
-        <p:style>
-          <a:lnRef idx="2">
-            <a:schemeClr val="accent1">
-              <a:shade val="50000"/>
-            </a:schemeClr>
-          </a:lnRef>
-          <a:fillRef idx="1">
-            <a:schemeClr val="accent1"/>
-          </a:fillRef>
-          <a:effectRef idx="0">
-            <a:schemeClr val="accent1"/>
-          </a:effectRef>
-          <a:fontRef idx="minor">
-            <a:schemeClr val="lt1"/>
-          </a:fontRef>
-        </p:style>
-        <p:txBody>
-          <a:bodyPr rtlCol="0" anchor="ctr"/>
-          <a:lstStyle/>
-          <a:p>
-            <a:pPr algn="ctr"/>
-            <a:endParaRPr lang="en-US"/>
-          </a:p>
-        </p:txBody>
-      </p:sp>
-      <p:sp>
-        <p:nvSpPr>
           <p:cNvPr id="9" name="Rectangle 8"/>
           <p:cNvSpPr/>
           <p:nvPr/>
         </p:nvSpPr>
         <p:spPr>
           <a:xfrm>
-            <a:off x="5173065" y="2061305"/>
+            <a:off x="5173065" y="2066268"/>
             <a:ext cx="1358176" cy="481897"/>
           </a:xfrm>
           <a:prstGeom prst="rect">
@@ -3175,16 +3135,415 @@
           </a:p>
         </p:txBody>
       </p:sp>
+      <p:sp>
+        <p:nvSpPr>
+          <p:cNvPr id="15" name="TextBox 14"/>
+          <p:cNvSpPr txBox="1"/>
+          <p:nvPr/>
+        </p:nvSpPr>
+        <p:spPr>
+          <a:xfrm>
+            <a:off x="5266512" y="2073405"/>
+            <a:ext cx="1171283" cy="461665"/>
+          </a:xfrm>
+          <a:prstGeom prst="rect">
+            <a:avLst/>
+          </a:prstGeom>
+          <a:noFill/>
+        </p:spPr>
+        <p:txBody>
+          <a:bodyPr wrap="square" rtlCol="0">
+            <a:spAutoFit/>
+          </a:bodyPr>
+          <a:lstStyle/>
+          <a:p>
+            <a:pPr algn="ctr"/>
+            <a:r>
+              <a:rPr lang="en-US" sz="1200" dirty="0" smtClean="0"/>
+              <a:t>2x2 Maxpool V</a:t>
+            </a:r>
+          </a:p>
+          <a:p>
+            <a:pPr algn="ctr"/>
+            <a:r>
+              <a:rPr lang="en-US" sz="1200" dirty="0" smtClean="0"/>
+              <a:t>Stride 2</a:t>
+            </a:r>
+            <a:endParaRPr lang="en-US" sz="1200" dirty="0"/>
+          </a:p>
+        </p:txBody>
+      </p:sp>
+      <p:sp>
+        <p:nvSpPr>
+          <p:cNvPr id="18" name="TextBox 17"/>
+          <p:cNvSpPr txBox="1"/>
+          <p:nvPr/>
+        </p:nvSpPr>
+        <p:spPr>
+          <a:xfrm>
+            <a:off x="5266512" y="2790024"/>
+            <a:ext cx="1171283" cy="461665"/>
+          </a:xfrm>
+          <a:prstGeom prst="rect">
+            <a:avLst/>
+          </a:prstGeom>
+          <a:noFill/>
+        </p:spPr>
+        <p:txBody>
+          <a:bodyPr wrap="square" rtlCol="0">
+            <a:spAutoFit/>
+          </a:bodyPr>
+          <a:lstStyle/>
+          <a:p>
+            <a:pPr algn="ctr"/>
+            <a:r>
+              <a:rPr lang="en-US" sz="1200" dirty="0" smtClean="0"/>
+              <a:t>512 filters</a:t>
+            </a:r>
+          </a:p>
+          <a:p>
+            <a:pPr algn="ctr"/>
+            <a:r>
+              <a:rPr lang="en-US" sz="1200" dirty="0" smtClean="0"/>
+              <a:t>3x3 Conv</a:t>
+            </a:r>
+            <a:endParaRPr lang="en-US" sz="1200" dirty="0"/>
+          </a:p>
+        </p:txBody>
+      </p:sp>
+      <p:sp>
+        <p:nvSpPr>
+          <p:cNvPr id="19" name="TextBox 18"/>
+          <p:cNvSpPr txBox="1"/>
+          <p:nvPr/>
+        </p:nvSpPr>
+        <p:spPr>
+          <a:xfrm>
+            <a:off x="5266512" y="3424980"/>
+            <a:ext cx="1171283" cy="461665"/>
+          </a:xfrm>
+          <a:prstGeom prst="rect">
+            <a:avLst/>
+          </a:prstGeom>
+          <a:noFill/>
+        </p:spPr>
+        <p:txBody>
+          <a:bodyPr wrap="square" rtlCol="0">
+            <a:spAutoFit/>
+          </a:bodyPr>
+          <a:lstStyle/>
+          <a:p>
+            <a:pPr algn="ctr"/>
+            <a:r>
+              <a:rPr lang="en-US" sz="1200" dirty="0" smtClean="0"/>
+              <a:t>256 filters</a:t>
+            </a:r>
+          </a:p>
+          <a:p>
+            <a:pPr algn="ctr"/>
+            <a:r>
+              <a:rPr lang="en-US" sz="1200" dirty="0" smtClean="0"/>
+              <a:t>3x3 Conv</a:t>
+            </a:r>
+            <a:endParaRPr lang="en-US" sz="1200" dirty="0"/>
+          </a:p>
+        </p:txBody>
+      </p:sp>
+      <p:sp>
+        <p:nvSpPr>
+          <p:cNvPr id="20" name="TextBox 19"/>
+          <p:cNvSpPr txBox="1"/>
+          <p:nvPr/>
+        </p:nvSpPr>
+        <p:spPr>
+          <a:xfrm>
+            <a:off x="5266512" y="4089519"/>
+            <a:ext cx="1171283" cy="461665"/>
+          </a:xfrm>
+          <a:prstGeom prst="rect">
+            <a:avLst/>
+          </a:prstGeom>
+          <a:noFill/>
+        </p:spPr>
+        <p:txBody>
+          <a:bodyPr wrap="square" rtlCol="0">
+            <a:spAutoFit/>
+          </a:bodyPr>
+          <a:lstStyle/>
+          <a:p>
+            <a:pPr algn="ctr"/>
+            <a:r>
+              <a:rPr lang="en-US" sz="1200" dirty="0" smtClean="0"/>
+              <a:t>128 filters</a:t>
+            </a:r>
+          </a:p>
+          <a:p>
+            <a:pPr algn="ctr"/>
+            <a:r>
+              <a:rPr lang="en-US" sz="1200" dirty="0" smtClean="0"/>
+              <a:t>3x3 Conv</a:t>
+            </a:r>
+            <a:endParaRPr lang="en-US" sz="1200" dirty="0"/>
+          </a:p>
+        </p:txBody>
+      </p:sp>
+      <p:sp>
+        <p:nvSpPr>
+          <p:cNvPr id="21" name="Rectangle 20"/>
+          <p:cNvSpPr/>
+          <p:nvPr/>
+        </p:nvSpPr>
+        <p:spPr>
+          <a:xfrm>
+            <a:off x="5173065" y="1406012"/>
+            <a:ext cx="1358176" cy="481897"/>
+          </a:xfrm>
+          <a:prstGeom prst="rect">
+            <a:avLst/>
+          </a:prstGeom>
+          <a:solidFill>
+            <a:schemeClr val="bg1">
+              <a:lumMod val="85000"/>
+            </a:schemeClr>
+          </a:solidFill>
+        </p:spPr>
+        <p:style>
+          <a:lnRef idx="2">
+            <a:schemeClr val="accent1">
+              <a:shade val="50000"/>
+            </a:schemeClr>
+          </a:lnRef>
+          <a:fillRef idx="1">
+            <a:schemeClr val="accent1"/>
+          </a:fillRef>
+          <a:effectRef idx="0">
+            <a:schemeClr val="accent1"/>
+          </a:effectRef>
+          <a:fontRef idx="minor">
+            <a:schemeClr val="lt1"/>
+          </a:fontRef>
+        </p:style>
+        <p:txBody>
+          <a:bodyPr rtlCol="0" anchor="ctr"/>
+          <a:lstStyle/>
+          <a:p>
+            <a:pPr algn="ctr"/>
+            <a:endParaRPr lang="en-US"/>
+          </a:p>
+        </p:txBody>
+      </p:sp>
+      <p:sp>
+        <p:nvSpPr>
+          <p:cNvPr id="23" name="TextBox 22"/>
+          <p:cNvSpPr txBox="1"/>
+          <p:nvPr/>
+        </p:nvSpPr>
+        <p:spPr>
+          <a:xfrm>
+            <a:off x="5266511" y="1416162"/>
+            <a:ext cx="1171283" cy="461665"/>
+          </a:xfrm>
+          <a:prstGeom prst="rect">
+            <a:avLst/>
+          </a:prstGeom>
+          <a:noFill/>
+        </p:spPr>
+        <p:txBody>
+          <a:bodyPr wrap="square" rtlCol="0">
+            <a:spAutoFit/>
+          </a:bodyPr>
+          <a:lstStyle/>
+          <a:p>
+            <a:pPr algn="ctr"/>
+            <a:r>
+              <a:rPr lang="en-US" sz="1200" smtClean="0"/>
+              <a:t>Output Image</a:t>
+            </a:r>
+          </a:p>
+          <a:p>
+            <a:pPr algn="ctr"/>
+            <a:r>
+              <a:rPr lang="en-US" sz="1200" dirty="0" smtClean="0"/>
+              <a:t>60x60x128</a:t>
+            </a:r>
+            <a:endParaRPr lang="en-US" sz="1200" dirty="0"/>
+          </a:p>
+        </p:txBody>
+      </p:sp>
+      <p:sp>
+        <p:nvSpPr>
+          <p:cNvPr id="24" name="Rectangle 23"/>
+          <p:cNvSpPr/>
+          <p:nvPr/>
+        </p:nvSpPr>
+        <p:spPr>
+          <a:xfrm>
+            <a:off x="5173065" y="5419623"/>
+            <a:ext cx="1358176" cy="481897"/>
+          </a:xfrm>
+          <a:prstGeom prst="rect">
+            <a:avLst/>
+          </a:prstGeom>
+          <a:solidFill>
+            <a:schemeClr val="bg1">
+              <a:lumMod val="85000"/>
+            </a:schemeClr>
+          </a:solidFill>
+        </p:spPr>
+        <p:style>
+          <a:lnRef idx="2">
+            <a:schemeClr val="accent1">
+              <a:shade val="50000"/>
+            </a:schemeClr>
+          </a:lnRef>
+          <a:fillRef idx="1">
+            <a:schemeClr val="accent1"/>
+          </a:fillRef>
+          <a:effectRef idx="0">
+            <a:schemeClr val="accent1"/>
+          </a:effectRef>
+          <a:fontRef idx="minor">
+            <a:schemeClr val="lt1"/>
+          </a:fontRef>
+        </p:style>
+        <p:txBody>
+          <a:bodyPr rtlCol="0" anchor="ctr"/>
+          <a:lstStyle/>
+          <a:p>
+            <a:pPr algn="ctr"/>
+            <a:endParaRPr lang="en-US"/>
+          </a:p>
+        </p:txBody>
+      </p:sp>
+      <p:sp>
+        <p:nvSpPr>
+          <p:cNvPr id="25" name="TextBox 24"/>
+          <p:cNvSpPr txBox="1"/>
+          <p:nvPr/>
+        </p:nvSpPr>
+        <p:spPr>
+          <a:xfrm>
+            <a:off x="5266510" y="5439855"/>
+            <a:ext cx="1171283" cy="461665"/>
+          </a:xfrm>
+          <a:prstGeom prst="rect">
+            <a:avLst/>
+          </a:prstGeom>
+          <a:noFill/>
+        </p:spPr>
+        <p:txBody>
+          <a:bodyPr wrap="square" rtlCol="0">
+            <a:spAutoFit/>
+          </a:bodyPr>
+          <a:lstStyle/>
+          <a:p>
+            <a:pPr algn="ctr"/>
+            <a:r>
+              <a:rPr lang="en-US" sz="1200" smtClean="0"/>
+              <a:t>Input Image</a:t>
+            </a:r>
+          </a:p>
+          <a:p>
+            <a:pPr algn="ctr"/>
+            <a:r>
+              <a:rPr lang="en-US" sz="1200" dirty="0" smtClean="0"/>
+              <a:t>120x120x128</a:t>
+            </a:r>
+            <a:endParaRPr lang="en-US" sz="1200" dirty="0"/>
+          </a:p>
+        </p:txBody>
+      </p:sp>
+      <p:sp>
+        <p:nvSpPr>
+          <p:cNvPr id="27" name="Rectangle 26"/>
+          <p:cNvSpPr/>
+          <p:nvPr/>
+        </p:nvSpPr>
+        <p:spPr>
+          <a:xfrm>
+            <a:off x="5173065" y="4749285"/>
+            <a:ext cx="1358176" cy="481897"/>
+          </a:xfrm>
+          <a:prstGeom prst="rect">
+            <a:avLst/>
+          </a:prstGeom>
+        </p:spPr>
+        <p:style>
+          <a:lnRef idx="2">
+            <a:schemeClr val="accent1">
+              <a:shade val="50000"/>
+            </a:schemeClr>
+          </a:lnRef>
+          <a:fillRef idx="1">
+            <a:schemeClr val="accent1"/>
+          </a:fillRef>
+          <a:effectRef idx="0">
+            <a:schemeClr val="accent1"/>
+          </a:effectRef>
+          <a:fontRef idx="minor">
+            <a:schemeClr val="lt1"/>
+          </a:fontRef>
+        </p:style>
+        <p:txBody>
+          <a:bodyPr rtlCol="0" anchor="ctr"/>
+          <a:lstStyle/>
+          <a:p>
+            <a:pPr algn="ctr"/>
+            <a:endParaRPr lang="en-US"/>
+          </a:p>
+        </p:txBody>
+      </p:sp>
+      <p:sp>
+        <p:nvSpPr>
+          <p:cNvPr id="28" name="TextBox 27"/>
+          <p:cNvSpPr txBox="1"/>
+          <p:nvPr/>
+        </p:nvSpPr>
+        <p:spPr>
+          <a:xfrm>
+            <a:off x="5266512" y="4769608"/>
+            <a:ext cx="1171283" cy="461665"/>
+          </a:xfrm>
+          <a:prstGeom prst="rect">
+            <a:avLst/>
+          </a:prstGeom>
+          <a:noFill/>
+        </p:spPr>
+        <p:txBody>
+          <a:bodyPr wrap="square" rtlCol="0">
+            <a:spAutoFit/>
+          </a:bodyPr>
+          <a:lstStyle/>
+          <a:p>
+            <a:pPr algn="ctr"/>
+            <a:r>
+              <a:rPr lang="en-US" sz="1200" dirty="0" smtClean="0"/>
+              <a:t>128 filters</a:t>
+            </a:r>
+          </a:p>
+          <a:p>
+            <a:pPr algn="ctr"/>
+            <a:r>
+              <a:rPr lang="en-US" sz="1200" dirty="0" smtClean="0"/>
+              <a:t>1x1 Conv</a:t>
+            </a:r>
+            <a:endParaRPr lang="en-US" sz="1200" dirty="0"/>
+          </a:p>
+        </p:txBody>
+      </p:sp>
       <p:cxnSp>
         <p:nvCxnSpPr>
-          <p:cNvPr id="12" name="Straight Connector 11"/>
-          <p:cNvCxnSpPr/>
+          <p:cNvPr id="3" name="Straight Connector 2"/>
+          <p:cNvCxnSpPr>
+            <a:stCxn id="24" idx="0"/>
+            <a:endCxn id="27" idx="2"/>
+          </p:cNvCxnSpPr>
           <p:nvPr/>
         </p:nvCxnSpPr>
         <p:spPr>
-          <a:xfrm>
-            <a:off x="5852153" y="3217013"/>
-            <a:ext cx="0" cy="193349"/>
+          <a:xfrm flipV="1">
+            <a:off x="5852153" y="5231182"/>
+            <a:ext cx="0" cy="188441"/>
           </a:xfrm>
           <a:prstGeom prst="line">
             <a:avLst/>
@@ -3212,14 +3571,17 @@
       </p:cxnSp>
       <p:cxnSp>
         <p:nvCxnSpPr>
-          <p:cNvPr id="13" name="Straight Connector 12"/>
-          <p:cNvCxnSpPr/>
+          <p:cNvPr id="10" name="Straight Connector 9"/>
+          <p:cNvCxnSpPr>
+            <a:stCxn id="28" idx="0"/>
+            <a:endCxn id="4" idx="2"/>
+          </p:cNvCxnSpPr>
           <p:nvPr/>
         </p:nvCxnSpPr>
         <p:spPr>
-          <a:xfrm>
-            <a:off x="5852153" y="3891264"/>
-            <a:ext cx="0" cy="188396"/>
+          <a:xfrm flipH="1" flipV="1">
+            <a:off x="5852153" y="4568131"/>
+            <a:ext cx="1" cy="201477"/>
           </a:xfrm>
           <a:prstGeom prst="line">
             <a:avLst/>
@@ -3247,14 +3609,17 @@
       </p:cxnSp>
       <p:cxnSp>
         <p:nvCxnSpPr>
-          <p:cNvPr id="14" name="Straight Connector 13"/>
-          <p:cNvCxnSpPr/>
+          <p:cNvPr id="16" name="Straight Connector 15"/>
+          <p:cNvCxnSpPr>
+            <a:stCxn id="20" idx="0"/>
+            <a:endCxn id="5" idx="2"/>
+          </p:cNvCxnSpPr>
           <p:nvPr/>
         </p:nvCxnSpPr>
         <p:spPr>
-          <a:xfrm>
-            <a:off x="5852153" y="4561557"/>
-            <a:ext cx="0" cy="188439"/>
+          <a:xfrm flipH="1" flipV="1">
+            <a:off x="5852153" y="3897793"/>
+            <a:ext cx="1" cy="191726"/>
           </a:xfrm>
           <a:prstGeom prst="line">
             <a:avLst/>
@@ -3280,251 +3645,19 @@
           </a:fontRef>
         </p:style>
       </p:cxnSp>
-      <p:sp>
-        <p:nvSpPr>
-          <p:cNvPr id="15" name="TextBox 14"/>
-          <p:cNvSpPr txBox="1"/>
-          <p:nvPr/>
-        </p:nvSpPr>
-        <p:spPr>
-          <a:xfrm>
-            <a:off x="5266512" y="2068442"/>
-            <a:ext cx="1171283" cy="461665"/>
-          </a:xfrm>
-          <a:prstGeom prst="rect">
-            <a:avLst/>
-          </a:prstGeom>
-          <a:noFill/>
-        </p:spPr>
-        <p:txBody>
-          <a:bodyPr wrap="square" rtlCol="0">
-            <a:spAutoFit/>
-          </a:bodyPr>
-          <a:lstStyle/>
-          <a:p>
-            <a:pPr algn="ctr"/>
-            <a:r>
-              <a:rPr lang="en-US" sz="1200" dirty="0" smtClean="0"/>
-              <a:t>2x2 Maxpool V</a:t>
-            </a:r>
-          </a:p>
-          <a:p>
-            <a:pPr algn="ctr"/>
-            <a:r>
-              <a:rPr lang="en-US" sz="1200" dirty="0" smtClean="0"/>
-              <a:t>Stride 2</a:t>
-            </a:r>
-            <a:endParaRPr lang="en-US" sz="1200" dirty="0"/>
-          </a:p>
-        </p:txBody>
-      </p:sp>
-      <p:sp>
-        <p:nvSpPr>
-          <p:cNvPr id="17" name="TextBox 16"/>
-          <p:cNvSpPr txBox="1"/>
-          <p:nvPr/>
-        </p:nvSpPr>
-        <p:spPr>
-          <a:xfrm>
-            <a:off x="5266512" y="2755439"/>
-            <a:ext cx="1171283" cy="461665"/>
-          </a:xfrm>
-          <a:prstGeom prst="rect">
-            <a:avLst/>
-          </a:prstGeom>
-          <a:noFill/>
-        </p:spPr>
-        <p:txBody>
-          <a:bodyPr wrap="square" rtlCol="0">
-            <a:spAutoFit/>
-          </a:bodyPr>
-          <a:lstStyle/>
-          <a:p>
-            <a:pPr algn="ctr"/>
-            <a:r>
-              <a:rPr lang="en-US" sz="1200" dirty="0" smtClean="0"/>
-              <a:t>128 filters</a:t>
-            </a:r>
-          </a:p>
-          <a:p>
-            <a:pPr algn="ctr"/>
-            <a:r>
-              <a:rPr lang="en-US" sz="1200" dirty="0" smtClean="0"/>
-              <a:t>1x1 Conv</a:t>
-            </a:r>
-            <a:endParaRPr lang="en-US" sz="1200" dirty="0"/>
-          </a:p>
-        </p:txBody>
-      </p:sp>
-      <p:sp>
-        <p:nvSpPr>
-          <p:cNvPr id="18" name="TextBox 17"/>
-          <p:cNvSpPr txBox="1"/>
-          <p:nvPr/>
-        </p:nvSpPr>
-        <p:spPr>
-          <a:xfrm>
-            <a:off x="5266512" y="3437462"/>
-            <a:ext cx="1171283" cy="461665"/>
-          </a:xfrm>
-          <a:prstGeom prst="rect">
-            <a:avLst/>
-          </a:prstGeom>
-          <a:noFill/>
-        </p:spPr>
-        <p:txBody>
-          <a:bodyPr wrap="square" rtlCol="0">
-            <a:spAutoFit/>
-          </a:bodyPr>
-          <a:lstStyle/>
-          <a:p>
-            <a:pPr algn="ctr"/>
-            <a:r>
-              <a:rPr lang="en-US" sz="1200" dirty="0" smtClean="0"/>
-              <a:t>512 filters</a:t>
-            </a:r>
-          </a:p>
-          <a:p>
-            <a:pPr algn="ctr"/>
-            <a:r>
-              <a:rPr lang="en-US" sz="1200" dirty="0" smtClean="0"/>
-              <a:t>3x3 Conv</a:t>
-            </a:r>
-            <a:endParaRPr lang="en-US" sz="1200" dirty="0"/>
-          </a:p>
-        </p:txBody>
-      </p:sp>
-      <p:sp>
-        <p:nvSpPr>
-          <p:cNvPr id="19" name="TextBox 18"/>
-          <p:cNvSpPr txBox="1"/>
-          <p:nvPr/>
-        </p:nvSpPr>
-        <p:spPr>
-          <a:xfrm>
-            <a:off x="5266512" y="4088744"/>
-            <a:ext cx="1171283" cy="461665"/>
-          </a:xfrm>
-          <a:prstGeom prst="rect">
-            <a:avLst/>
-          </a:prstGeom>
-          <a:noFill/>
-        </p:spPr>
-        <p:txBody>
-          <a:bodyPr wrap="square" rtlCol="0">
-            <a:spAutoFit/>
-          </a:bodyPr>
-          <a:lstStyle/>
-          <a:p>
-            <a:pPr algn="ctr"/>
-            <a:r>
-              <a:rPr lang="en-US" sz="1200" dirty="0" smtClean="0"/>
-              <a:t>256 filters</a:t>
-            </a:r>
-          </a:p>
-          <a:p>
-            <a:pPr algn="ctr"/>
-            <a:r>
-              <a:rPr lang="en-US" sz="1200" dirty="0" smtClean="0"/>
-              <a:t>3x3 Conv</a:t>
-            </a:r>
-            <a:endParaRPr lang="en-US" sz="1200" dirty="0"/>
-          </a:p>
-        </p:txBody>
-      </p:sp>
-      <p:sp>
-        <p:nvSpPr>
-          <p:cNvPr id="20" name="TextBox 19"/>
-          <p:cNvSpPr txBox="1"/>
-          <p:nvPr/>
-        </p:nvSpPr>
-        <p:spPr>
-          <a:xfrm>
-            <a:off x="5266512" y="4753281"/>
-            <a:ext cx="1171283" cy="461665"/>
-          </a:xfrm>
-          <a:prstGeom prst="rect">
-            <a:avLst/>
-          </a:prstGeom>
-          <a:noFill/>
-        </p:spPr>
-        <p:txBody>
-          <a:bodyPr wrap="square" rtlCol="0">
-            <a:spAutoFit/>
-          </a:bodyPr>
-          <a:lstStyle/>
-          <a:p>
-            <a:pPr algn="ctr"/>
-            <a:r>
-              <a:rPr lang="en-US" sz="1200" dirty="0" smtClean="0"/>
-              <a:t>128 filters</a:t>
-            </a:r>
-          </a:p>
-          <a:p>
-            <a:pPr algn="ctr"/>
-            <a:r>
-              <a:rPr lang="en-US" sz="1200" dirty="0" smtClean="0"/>
-              <a:t>3x3 Conv</a:t>
-            </a:r>
-            <a:endParaRPr lang="en-US" sz="1200" dirty="0"/>
-          </a:p>
-        </p:txBody>
-      </p:sp>
-      <p:sp>
-        <p:nvSpPr>
-          <p:cNvPr id="21" name="Rectangle 20"/>
-          <p:cNvSpPr/>
-          <p:nvPr/>
-        </p:nvSpPr>
-        <p:spPr>
-          <a:xfrm>
-            <a:off x="5173065" y="1406012"/>
-            <a:ext cx="1358176" cy="481897"/>
-          </a:xfrm>
-          <a:prstGeom prst="rect">
-            <a:avLst/>
-          </a:prstGeom>
-          <a:solidFill>
-            <a:schemeClr val="bg1">
-              <a:lumMod val="65000"/>
-            </a:schemeClr>
-          </a:solidFill>
-        </p:spPr>
-        <p:style>
-          <a:lnRef idx="2">
-            <a:schemeClr val="accent1">
-              <a:shade val="50000"/>
-            </a:schemeClr>
-          </a:lnRef>
-          <a:fillRef idx="1">
-            <a:schemeClr val="accent1"/>
-          </a:fillRef>
-          <a:effectRef idx="0">
-            <a:schemeClr val="accent1"/>
-          </a:effectRef>
-          <a:fontRef idx="minor">
-            <a:schemeClr val="lt1"/>
-          </a:fontRef>
-        </p:style>
-        <p:txBody>
-          <a:bodyPr rtlCol="0" anchor="ctr"/>
-          <a:lstStyle/>
-          <a:p>
-            <a:pPr algn="ctr"/>
-            <a:endParaRPr lang="en-US"/>
-          </a:p>
-        </p:txBody>
-      </p:sp>
       <p:cxnSp>
         <p:nvCxnSpPr>
-          <p:cNvPr id="22" name="Straight Connector 21"/>
-          <p:cNvCxnSpPr/>
+          <p:cNvPr id="38" name="Straight Connector 37"/>
+          <p:cNvCxnSpPr>
+            <a:stCxn id="19" idx="0"/>
+            <a:endCxn id="18" idx="2"/>
+          </p:cNvCxnSpPr>
           <p:nvPr/>
         </p:nvCxnSpPr>
         <p:spPr>
-          <a:xfrm>
-            <a:off x="5852153" y="1887909"/>
-            <a:ext cx="0" cy="173396"/>
+          <a:xfrm flipV="1">
+            <a:off x="5852154" y="3251689"/>
+            <a:ext cx="0" cy="173291"/>
           </a:xfrm>
           <a:prstGeom prst="line">
             <a:avLst/>
@@ -3550,123 +3683,19 @@
           </a:fontRef>
         </p:style>
       </p:cxnSp>
-      <p:sp>
-        <p:nvSpPr>
-          <p:cNvPr id="23" name="TextBox 22"/>
-          <p:cNvSpPr txBox="1"/>
-          <p:nvPr/>
-        </p:nvSpPr>
-        <p:spPr>
-          <a:xfrm>
-            <a:off x="5266512" y="1494752"/>
-            <a:ext cx="1171283" cy="276999"/>
-          </a:xfrm>
-          <a:prstGeom prst="rect">
-            <a:avLst/>
-          </a:prstGeom>
-          <a:noFill/>
-        </p:spPr>
-        <p:txBody>
-          <a:bodyPr wrap="square" rtlCol="0">
-            <a:spAutoFit/>
-          </a:bodyPr>
-          <a:lstStyle/>
-          <a:p>
-            <a:pPr algn="ctr"/>
-            <a:r>
-              <a:rPr lang="en-US" sz="1200" dirty="0" smtClean="0"/>
-              <a:t>60x60x128</a:t>
-            </a:r>
-            <a:endParaRPr lang="en-US" sz="1200" dirty="0"/>
-          </a:p>
-        </p:txBody>
-      </p:sp>
-      <p:sp>
-        <p:nvSpPr>
-          <p:cNvPr id="24" name="Rectangle 23"/>
-          <p:cNvSpPr/>
-          <p:nvPr/>
-        </p:nvSpPr>
-        <p:spPr>
-          <a:xfrm>
-            <a:off x="5173065" y="5420289"/>
-            <a:ext cx="1358176" cy="481897"/>
-          </a:xfrm>
-          <a:prstGeom prst="rect">
-            <a:avLst/>
-          </a:prstGeom>
-          <a:solidFill>
-            <a:schemeClr val="bg1">
-              <a:lumMod val="65000"/>
-            </a:schemeClr>
-          </a:solidFill>
-        </p:spPr>
-        <p:style>
-          <a:lnRef idx="2">
-            <a:schemeClr val="accent1">
-              <a:shade val="50000"/>
-            </a:schemeClr>
-          </a:lnRef>
-          <a:fillRef idx="1">
-            <a:schemeClr val="accent1"/>
-          </a:fillRef>
-          <a:effectRef idx="0">
-            <a:schemeClr val="accent1"/>
-          </a:effectRef>
-          <a:fontRef idx="minor">
-            <a:schemeClr val="lt1"/>
-          </a:fontRef>
-        </p:style>
-        <p:txBody>
-          <a:bodyPr rtlCol="0" anchor="ctr"/>
-          <a:lstStyle/>
-          <a:p>
-            <a:pPr algn="ctr"/>
-            <a:endParaRPr lang="en-US"/>
-          </a:p>
-        </p:txBody>
-      </p:sp>
-      <p:sp>
-        <p:nvSpPr>
-          <p:cNvPr id="25" name="TextBox 24"/>
-          <p:cNvSpPr txBox="1"/>
-          <p:nvPr/>
-        </p:nvSpPr>
-        <p:spPr>
-          <a:xfrm>
-            <a:off x="5266512" y="5509029"/>
-            <a:ext cx="1171283" cy="276999"/>
-          </a:xfrm>
-          <a:prstGeom prst="rect">
-            <a:avLst/>
-          </a:prstGeom>
-          <a:noFill/>
-        </p:spPr>
-        <p:txBody>
-          <a:bodyPr wrap="square" rtlCol="0">
-            <a:spAutoFit/>
-          </a:bodyPr>
-          <a:lstStyle/>
-          <a:p>
-            <a:pPr algn="ctr"/>
-            <a:r>
-              <a:rPr lang="en-US" sz="1200" dirty="0" smtClean="0"/>
-              <a:t>120x120x128</a:t>
-            </a:r>
-            <a:endParaRPr lang="en-US" sz="1200" dirty="0"/>
-          </a:p>
-        </p:txBody>
-      </p:sp>
       <p:cxnSp>
         <p:nvCxnSpPr>
-          <p:cNvPr id="26" name="Straight Connector 25"/>
-          <p:cNvCxnSpPr/>
+          <p:cNvPr id="43" name="Straight Connector 42"/>
+          <p:cNvCxnSpPr>
+            <a:stCxn id="9" idx="0"/>
+            <a:endCxn id="21" idx="2"/>
+          </p:cNvCxnSpPr>
           <p:nvPr/>
         </p:nvCxnSpPr>
         <p:spPr>
-          <a:xfrm>
-            <a:off x="5852153" y="5231893"/>
-            <a:ext cx="0" cy="188396"/>
+          <a:xfrm flipV="1">
+            <a:off x="5852153" y="1887909"/>
+            <a:ext cx="0" cy="178359"/>
           </a:xfrm>
           <a:prstGeom prst="line">
             <a:avLst/>
@@ -3694,14 +3723,811 @@
       </p:cxnSp>
       <p:cxnSp>
         <p:nvCxnSpPr>
-          <p:cNvPr id="29" name="Straight Connector 28"/>
+          <p:cNvPr id="45" name="Straight Connector 44"/>
+          <p:cNvCxnSpPr>
+            <a:stCxn id="6" idx="0"/>
+            <a:endCxn id="9" idx="2"/>
+          </p:cNvCxnSpPr>
+          <p:nvPr/>
+        </p:nvCxnSpPr>
+        <p:spPr>
+          <a:xfrm flipV="1">
+            <a:off x="5852153" y="2548165"/>
+            <a:ext cx="0" cy="214759"/>
+          </a:xfrm>
+          <a:prstGeom prst="line">
+            <a:avLst/>
+          </a:prstGeom>
+          <a:ln w="31750">
+            <a:solidFill>
+              <a:schemeClr val="tx1"/>
+            </a:solidFill>
+          </a:ln>
+        </p:spPr>
+        <p:style>
+          <a:lnRef idx="1">
+            <a:schemeClr val="accent1"/>
+          </a:lnRef>
+          <a:fillRef idx="0">
+            <a:schemeClr val="accent1"/>
+          </a:fillRef>
+          <a:effectRef idx="0">
+            <a:schemeClr val="accent1"/>
+          </a:effectRef>
+          <a:fontRef idx="minor">
+            <a:schemeClr val="tx1"/>
+          </a:fontRef>
+        </p:style>
+      </p:cxnSp>
+      <p:sp>
+        <p:nvSpPr>
+          <p:cNvPr id="46" name="Rectangle 45"/>
+          <p:cNvSpPr/>
+          <p:nvPr/>
+        </p:nvSpPr>
+        <p:spPr>
+          <a:xfrm>
+            <a:off x="6842402" y="4086234"/>
+            <a:ext cx="1358176" cy="481897"/>
+          </a:xfrm>
+          <a:prstGeom prst="rect">
+            <a:avLst/>
+          </a:prstGeom>
+        </p:spPr>
+        <p:style>
+          <a:lnRef idx="2">
+            <a:schemeClr val="accent1">
+              <a:shade val="50000"/>
+            </a:schemeClr>
+          </a:lnRef>
+          <a:fillRef idx="1">
+            <a:schemeClr val="accent1"/>
+          </a:fillRef>
+          <a:effectRef idx="0">
+            <a:schemeClr val="accent1"/>
+          </a:effectRef>
+          <a:fontRef idx="minor">
+            <a:schemeClr val="lt1"/>
+          </a:fontRef>
+        </p:style>
+        <p:txBody>
+          <a:bodyPr rtlCol="0" anchor="ctr"/>
+          <a:lstStyle/>
+          <a:p>
+            <a:pPr algn="ctr"/>
+            <a:endParaRPr lang="en-US"/>
+          </a:p>
+        </p:txBody>
+      </p:sp>
+      <p:sp>
+        <p:nvSpPr>
+          <p:cNvPr id="47" name="Rectangle 46"/>
+          <p:cNvSpPr/>
+          <p:nvPr/>
+        </p:nvSpPr>
+        <p:spPr>
+          <a:xfrm>
+            <a:off x="6842402" y="3415896"/>
+            <a:ext cx="1358176" cy="481897"/>
+          </a:xfrm>
+          <a:prstGeom prst="rect">
+            <a:avLst/>
+          </a:prstGeom>
+        </p:spPr>
+        <p:style>
+          <a:lnRef idx="2">
+            <a:schemeClr val="accent1">
+              <a:shade val="50000"/>
+            </a:schemeClr>
+          </a:lnRef>
+          <a:fillRef idx="1">
+            <a:schemeClr val="accent1"/>
+          </a:fillRef>
+          <a:effectRef idx="0">
+            <a:schemeClr val="accent1"/>
+          </a:effectRef>
+          <a:fontRef idx="minor">
+            <a:schemeClr val="lt1"/>
+          </a:fontRef>
+        </p:style>
+        <p:txBody>
+          <a:bodyPr rtlCol="0" anchor="ctr"/>
+          <a:lstStyle/>
+          <a:p>
+            <a:pPr algn="ctr"/>
+            <a:endParaRPr lang="en-US"/>
+          </a:p>
+        </p:txBody>
+      </p:sp>
+      <p:sp>
+        <p:nvSpPr>
+          <p:cNvPr id="48" name="Rectangle 47"/>
+          <p:cNvSpPr/>
+          <p:nvPr/>
+        </p:nvSpPr>
+        <p:spPr>
+          <a:xfrm>
+            <a:off x="6842402" y="2762924"/>
+            <a:ext cx="1358176" cy="480902"/>
+          </a:xfrm>
+          <a:prstGeom prst="rect">
+            <a:avLst/>
+          </a:prstGeom>
+        </p:spPr>
+        <p:style>
+          <a:lnRef idx="2">
+            <a:schemeClr val="accent1">
+              <a:shade val="50000"/>
+            </a:schemeClr>
+          </a:lnRef>
+          <a:fillRef idx="1">
+            <a:schemeClr val="accent1"/>
+          </a:fillRef>
+          <a:effectRef idx="0">
+            <a:schemeClr val="accent1"/>
+          </a:effectRef>
+          <a:fontRef idx="minor">
+            <a:schemeClr val="lt1"/>
+          </a:fontRef>
+        </p:style>
+        <p:txBody>
+          <a:bodyPr rtlCol="0" anchor="ctr"/>
+          <a:lstStyle/>
+          <a:p>
+            <a:pPr algn="ctr"/>
+            <a:endParaRPr lang="en-US"/>
+          </a:p>
+        </p:txBody>
+      </p:sp>
+      <p:sp>
+        <p:nvSpPr>
+          <p:cNvPr id="49" name="Rectangle 48"/>
+          <p:cNvSpPr/>
+          <p:nvPr/>
+        </p:nvSpPr>
+        <p:spPr>
+          <a:xfrm>
+            <a:off x="6842402" y="2066268"/>
+            <a:ext cx="1358176" cy="481897"/>
+          </a:xfrm>
+          <a:prstGeom prst="rect">
+            <a:avLst/>
+          </a:prstGeom>
+          <a:solidFill>
+            <a:schemeClr val="accent2">
+              <a:lumMod val="60000"/>
+              <a:lumOff val="40000"/>
+            </a:schemeClr>
+          </a:solidFill>
+        </p:spPr>
+        <p:style>
+          <a:lnRef idx="2">
+            <a:schemeClr val="accent1">
+              <a:shade val="50000"/>
+            </a:schemeClr>
+          </a:lnRef>
+          <a:fillRef idx="1">
+            <a:schemeClr val="accent1"/>
+          </a:fillRef>
+          <a:effectRef idx="0">
+            <a:schemeClr val="accent1"/>
+          </a:effectRef>
+          <a:fontRef idx="minor">
+            <a:schemeClr val="lt1"/>
+          </a:fontRef>
+        </p:style>
+        <p:txBody>
+          <a:bodyPr rtlCol="0" anchor="ctr"/>
+          <a:lstStyle/>
+          <a:p>
+            <a:pPr algn="ctr"/>
+            <a:endParaRPr lang="en-US"/>
+          </a:p>
+        </p:txBody>
+      </p:sp>
+      <p:sp>
+        <p:nvSpPr>
+          <p:cNvPr id="50" name="TextBox 49"/>
+          <p:cNvSpPr txBox="1"/>
+          <p:nvPr/>
+        </p:nvSpPr>
+        <p:spPr>
+          <a:xfrm>
+            <a:off x="6935849" y="2073405"/>
+            <a:ext cx="1171283" cy="461665"/>
+          </a:xfrm>
+          <a:prstGeom prst="rect">
+            <a:avLst/>
+          </a:prstGeom>
+          <a:noFill/>
+        </p:spPr>
+        <p:txBody>
+          <a:bodyPr wrap="square" rtlCol="0">
+            <a:spAutoFit/>
+          </a:bodyPr>
+          <a:lstStyle/>
+          <a:p>
+            <a:pPr algn="ctr"/>
+            <a:r>
+              <a:rPr lang="en-US" sz="1200" dirty="0" smtClean="0"/>
+              <a:t>2x2 Maxpool V</a:t>
+            </a:r>
+          </a:p>
+          <a:p>
+            <a:pPr algn="ctr"/>
+            <a:r>
+              <a:rPr lang="en-US" sz="1200" dirty="0" smtClean="0"/>
+              <a:t>Stride 2</a:t>
+            </a:r>
+            <a:endParaRPr lang="en-US" sz="1200" dirty="0"/>
+          </a:p>
+        </p:txBody>
+      </p:sp>
+      <p:sp>
+        <p:nvSpPr>
+          <p:cNvPr id="51" name="TextBox 50"/>
+          <p:cNvSpPr txBox="1"/>
+          <p:nvPr/>
+        </p:nvSpPr>
+        <p:spPr>
+          <a:xfrm>
+            <a:off x="6935849" y="2790024"/>
+            <a:ext cx="1171283" cy="461665"/>
+          </a:xfrm>
+          <a:prstGeom prst="rect">
+            <a:avLst/>
+          </a:prstGeom>
+          <a:noFill/>
+        </p:spPr>
+        <p:txBody>
+          <a:bodyPr wrap="square" rtlCol="0">
+            <a:spAutoFit/>
+          </a:bodyPr>
+          <a:lstStyle/>
+          <a:p>
+            <a:pPr algn="ctr"/>
+            <a:r>
+              <a:rPr lang="en-US" sz="1200" dirty="0" smtClean="0"/>
+              <a:t>512 filters</a:t>
+            </a:r>
+          </a:p>
+          <a:p>
+            <a:pPr algn="ctr"/>
+            <a:r>
+              <a:rPr lang="en-US" sz="1200" dirty="0" smtClean="0"/>
+              <a:t>3x3 Conv</a:t>
+            </a:r>
+            <a:endParaRPr lang="en-US" sz="1200" dirty="0"/>
+          </a:p>
+        </p:txBody>
+      </p:sp>
+      <p:sp>
+        <p:nvSpPr>
+          <p:cNvPr id="52" name="TextBox 51"/>
+          <p:cNvSpPr txBox="1"/>
+          <p:nvPr/>
+        </p:nvSpPr>
+        <p:spPr>
+          <a:xfrm>
+            <a:off x="6935849" y="3424980"/>
+            <a:ext cx="1171283" cy="461665"/>
+          </a:xfrm>
+          <a:prstGeom prst="rect">
+            <a:avLst/>
+          </a:prstGeom>
+          <a:noFill/>
+        </p:spPr>
+        <p:txBody>
+          <a:bodyPr wrap="square" rtlCol="0">
+            <a:spAutoFit/>
+          </a:bodyPr>
+          <a:lstStyle/>
+          <a:p>
+            <a:pPr algn="ctr"/>
+            <a:r>
+              <a:rPr lang="en-US" sz="1200" dirty="0" smtClean="0"/>
+              <a:t>256 filters</a:t>
+            </a:r>
+          </a:p>
+          <a:p>
+            <a:pPr algn="ctr"/>
+            <a:r>
+              <a:rPr lang="en-US" sz="1200" dirty="0" smtClean="0"/>
+              <a:t>3x3 Conv</a:t>
+            </a:r>
+            <a:endParaRPr lang="en-US" sz="1200" dirty="0"/>
+          </a:p>
+        </p:txBody>
+      </p:sp>
+      <p:sp>
+        <p:nvSpPr>
+          <p:cNvPr id="53" name="TextBox 52"/>
+          <p:cNvSpPr txBox="1"/>
+          <p:nvPr/>
+        </p:nvSpPr>
+        <p:spPr>
+          <a:xfrm>
+            <a:off x="6935849" y="4089519"/>
+            <a:ext cx="1171283" cy="461665"/>
+          </a:xfrm>
+          <a:prstGeom prst="rect">
+            <a:avLst/>
+          </a:prstGeom>
+          <a:noFill/>
+        </p:spPr>
+        <p:txBody>
+          <a:bodyPr wrap="square" rtlCol="0">
+            <a:spAutoFit/>
+          </a:bodyPr>
+          <a:lstStyle/>
+          <a:p>
+            <a:pPr algn="ctr"/>
+            <a:r>
+              <a:rPr lang="en-US" sz="1200" dirty="0" smtClean="0"/>
+              <a:t>128 filters</a:t>
+            </a:r>
+          </a:p>
+          <a:p>
+            <a:pPr algn="ctr"/>
+            <a:r>
+              <a:rPr lang="en-US" sz="1200" dirty="0" smtClean="0"/>
+              <a:t>3x3 Conv</a:t>
+            </a:r>
+            <a:endParaRPr lang="en-US" sz="1200" dirty="0"/>
+          </a:p>
+        </p:txBody>
+      </p:sp>
+      <p:sp>
+        <p:nvSpPr>
+          <p:cNvPr id="54" name="Rectangle 53"/>
+          <p:cNvSpPr/>
+          <p:nvPr/>
+        </p:nvSpPr>
+        <p:spPr>
+          <a:xfrm>
+            <a:off x="6842402" y="1406012"/>
+            <a:ext cx="1358176" cy="481897"/>
+          </a:xfrm>
+          <a:prstGeom prst="rect">
+            <a:avLst/>
+          </a:prstGeom>
+          <a:solidFill>
+            <a:schemeClr val="bg1">
+              <a:lumMod val="85000"/>
+            </a:schemeClr>
+          </a:solidFill>
+        </p:spPr>
+        <p:style>
+          <a:lnRef idx="2">
+            <a:schemeClr val="accent1">
+              <a:shade val="50000"/>
+            </a:schemeClr>
+          </a:lnRef>
+          <a:fillRef idx="1">
+            <a:schemeClr val="accent1"/>
+          </a:fillRef>
+          <a:effectRef idx="0">
+            <a:schemeClr val="accent1"/>
+          </a:effectRef>
+          <a:fontRef idx="minor">
+            <a:schemeClr val="lt1"/>
+          </a:fontRef>
+        </p:style>
+        <p:txBody>
+          <a:bodyPr rtlCol="0" anchor="ctr"/>
+          <a:lstStyle/>
+          <a:p>
+            <a:pPr algn="ctr"/>
+            <a:endParaRPr lang="en-US"/>
+          </a:p>
+        </p:txBody>
+      </p:sp>
+      <p:sp>
+        <p:nvSpPr>
+          <p:cNvPr id="55" name="TextBox 54"/>
+          <p:cNvSpPr txBox="1"/>
+          <p:nvPr/>
+        </p:nvSpPr>
+        <p:spPr>
+          <a:xfrm>
+            <a:off x="6935848" y="1416162"/>
+            <a:ext cx="1171283" cy="461665"/>
+          </a:xfrm>
+          <a:prstGeom prst="rect">
+            <a:avLst/>
+          </a:prstGeom>
+          <a:noFill/>
+        </p:spPr>
+        <p:txBody>
+          <a:bodyPr wrap="square" rtlCol="0">
+            <a:spAutoFit/>
+          </a:bodyPr>
+          <a:lstStyle/>
+          <a:p>
+            <a:pPr algn="ctr"/>
+            <a:r>
+              <a:rPr lang="en-US" sz="1200" smtClean="0"/>
+              <a:t>Output Image</a:t>
+            </a:r>
+          </a:p>
+          <a:p>
+            <a:pPr algn="ctr"/>
+            <a:r>
+              <a:rPr lang="en-US" sz="1200" dirty="0" smtClean="0"/>
+              <a:t>30</a:t>
+            </a:r>
+            <a:r>
+              <a:rPr lang="en-US" sz="1200" dirty="0" smtClean="0"/>
+              <a:t>x30x128</a:t>
+            </a:r>
+            <a:endParaRPr lang="en-US" sz="1200" dirty="0"/>
+          </a:p>
+        </p:txBody>
+      </p:sp>
+      <p:sp>
+        <p:nvSpPr>
+          <p:cNvPr id="56" name="Rectangle 55"/>
+          <p:cNvSpPr/>
+          <p:nvPr/>
+        </p:nvSpPr>
+        <p:spPr>
+          <a:xfrm>
+            <a:off x="6842402" y="5419623"/>
+            <a:ext cx="1358176" cy="481897"/>
+          </a:xfrm>
+          <a:prstGeom prst="rect">
+            <a:avLst/>
+          </a:prstGeom>
+          <a:solidFill>
+            <a:schemeClr val="bg1">
+              <a:lumMod val="85000"/>
+            </a:schemeClr>
+          </a:solidFill>
+        </p:spPr>
+        <p:style>
+          <a:lnRef idx="2">
+            <a:schemeClr val="accent1">
+              <a:shade val="50000"/>
+            </a:schemeClr>
+          </a:lnRef>
+          <a:fillRef idx="1">
+            <a:schemeClr val="accent1"/>
+          </a:fillRef>
+          <a:effectRef idx="0">
+            <a:schemeClr val="accent1"/>
+          </a:effectRef>
+          <a:fontRef idx="minor">
+            <a:schemeClr val="lt1"/>
+          </a:fontRef>
+        </p:style>
+        <p:txBody>
+          <a:bodyPr rtlCol="0" anchor="ctr"/>
+          <a:lstStyle/>
+          <a:p>
+            <a:pPr algn="ctr"/>
+            <a:endParaRPr lang="en-US"/>
+          </a:p>
+        </p:txBody>
+      </p:sp>
+      <p:sp>
+        <p:nvSpPr>
+          <p:cNvPr id="57" name="TextBox 56"/>
+          <p:cNvSpPr txBox="1"/>
+          <p:nvPr/>
+        </p:nvSpPr>
+        <p:spPr>
+          <a:xfrm>
+            <a:off x="6935847" y="5429739"/>
+            <a:ext cx="1171283" cy="461665"/>
+          </a:xfrm>
+          <a:prstGeom prst="rect">
+            <a:avLst/>
+          </a:prstGeom>
+          <a:noFill/>
+        </p:spPr>
+        <p:txBody>
+          <a:bodyPr wrap="square" rtlCol="0">
+            <a:spAutoFit/>
+          </a:bodyPr>
+          <a:lstStyle/>
+          <a:p>
+            <a:pPr algn="ctr"/>
+            <a:r>
+              <a:rPr lang="en-US" sz="1200" smtClean="0"/>
+              <a:t>Input Image</a:t>
+            </a:r>
+          </a:p>
+          <a:p>
+            <a:pPr algn="ctr"/>
+            <a:r>
+              <a:rPr lang="en-US" sz="1200" dirty="0" smtClean="0"/>
+              <a:t>60</a:t>
+            </a:r>
+            <a:r>
+              <a:rPr lang="en-US" sz="1200" dirty="0" smtClean="0"/>
+              <a:t>x60x128</a:t>
+            </a:r>
+            <a:endParaRPr lang="en-US" sz="1200" dirty="0"/>
+          </a:p>
+        </p:txBody>
+      </p:sp>
+      <p:sp>
+        <p:nvSpPr>
+          <p:cNvPr id="58" name="Rectangle 57"/>
+          <p:cNvSpPr/>
+          <p:nvPr/>
+        </p:nvSpPr>
+        <p:spPr>
+          <a:xfrm>
+            <a:off x="6842402" y="4749285"/>
+            <a:ext cx="1358176" cy="481897"/>
+          </a:xfrm>
+          <a:prstGeom prst="rect">
+            <a:avLst/>
+          </a:prstGeom>
+        </p:spPr>
+        <p:style>
+          <a:lnRef idx="2">
+            <a:schemeClr val="accent1">
+              <a:shade val="50000"/>
+            </a:schemeClr>
+          </a:lnRef>
+          <a:fillRef idx="1">
+            <a:schemeClr val="accent1"/>
+          </a:fillRef>
+          <a:effectRef idx="0">
+            <a:schemeClr val="accent1"/>
+          </a:effectRef>
+          <a:fontRef idx="minor">
+            <a:schemeClr val="lt1"/>
+          </a:fontRef>
+        </p:style>
+        <p:txBody>
+          <a:bodyPr rtlCol="0" anchor="ctr"/>
+          <a:lstStyle/>
+          <a:p>
+            <a:pPr algn="ctr"/>
+            <a:endParaRPr lang="en-US"/>
+          </a:p>
+        </p:txBody>
+      </p:sp>
+      <p:sp>
+        <p:nvSpPr>
+          <p:cNvPr id="59" name="TextBox 58"/>
+          <p:cNvSpPr txBox="1"/>
+          <p:nvPr/>
+        </p:nvSpPr>
+        <p:spPr>
+          <a:xfrm>
+            <a:off x="6935849" y="4769608"/>
+            <a:ext cx="1171283" cy="461665"/>
+          </a:xfrm>
+          <a:prstGeom prst="rect">
+            <a:avLst/>
+          </a:prstGeom>
+          <a:noFill/>
+        </p:spPr>
+        <p:txBody>
+          <a:bodyPr wrap="square" rtlCol="0">
+            <a:spAutoFit/>
+          </a:bodyPr>
+          <a:lstStyle/>
+          <a:p>
+            <a:pPr algn="ctr"/>
+            <a:r>
+              <a:rPr lang="en-US" sz="1200" dirty="0" smtClean="0"/>
+              <a:t>128 filters</a:t>
+            </a:r>
+          </a:p>
+          <a:p>
+            <a:pPr algn="ctr"/>
+            <a:r>
+              <a:rPr lang="en-US" sz="1200" dirty="0" smtClean="0"/>
+              <a:t>1x1 Conv</a:t>
+            </a:r>
+            <a:endParaRPr lang="en-US" sz="1200" dirty="0"/>
+          </a:p>
+        </p:txBody>
+      </p:sp>
+      <p:cxnSp>
+        <p:nvCxnSpPr>
+          <p:cNvPr id="60" name="Straight Connector 59"/>
           <p:cNvCxnSpPr/>
           <p:nvPr/>
         </p:nvCxnSpPr>
         <p:spPr>
-          <a:xfrm>
-            <a:off x="5852153" y="2543202"/>
-            <a:ext cx="0" cy="191914"/>
+          <a:xfrm flipV="1">
+            <a:off x="7521490" y="5231182"/>
+            <a:ext cx="0" cy="188441"/>
+          </a:xfrm>
+          <a:prstGeom prst="line">
+            <a:avLst/>
+          </a:prstGeom>
+          <a:ln w="31750">
+            <a:solidFill>
+              <a:schemeClr val="tx1"/>
+            </a:solidFill>
+          </a:ln>
+        </p:spPr>
+        <p:style>
+          <a:lnRef idx="1">
+            <a:schemeClr val="accent1"/>
+          </a:lnRef>
+          <a:fillRef idx="0">
+            <a:schemeClr val="accent1"/>
+          </a:fillRef>
+          <a:effectRef idx="0">
+            <a:schemeClr val="accent1"/>
+          </a:effectRef>
+          <a:fontRef idx="minor">
+            <a:schemeClr val="tx1"/>
+          </a:fontRef>
+        </p:style>
+      </p:cxnSp>
+      <p:cxnSp>
+        <p:nvCxnSpPr>
+          <p:cNvPr id="61" name="Straight Connector 60"/>
+          <p:cNvCxnSpPr>
+            <a:endCxn id="48" idx="2"/>
+          </p:cNvCxnSpPr>
+          <p:nvPr/>
+        </p:nvCxnSpPr>
+        <p:spPr>
+          <a:xfrm flipH="1" flipV="1">
+            <a:off x="7521490" y="4568131"/>
+            <a:ext cx="1" cy="201477"/>
+          </a:xfrm>
+          <a:prstGeom prst="line">
+            <a:avLst/>
+          </a:prstGeom>
+          <a:ln w="31750">
+            <a:solidFill>
+              <a:schemeClr val="tx1"/>
+            </a:solidFill>
+          </a:ln>
+        </p:spPr>
+        <p:style>
+          <a:lnRef idx="1">
+            <a:schemeClr val="accent1"/>
+          </a:lnRef>
+          <a:fillRef idx="0">
+            <a:schemeClr val="accent1"/>
+          </a:fillRef>
+          <a:effectRef idx="0">
+            <a:schemeClr val="accent1"/>
+          </a:effectRef>
+          <a:fontRef idx="minor">
+            <a:schemeClr val="tx1"/>
+          </a:fontRef>
+        </p:style>
+      </p:cxnSp>
+      <p:cxnSp>
+        <p:nvCxnSpPr>
+          <p:cNvPr id="62" name="Straight Connector 61"/>
+          <p:cNvCxnSpPr>
+            <a:stCxn id="64" idx="0"/>
+            <a:endCxn id="49" idx="2"/>
+          </p:cNvCxnSpPr>
+          <p:nvPr/>
+        </p:nvCxnSpPr>
+        <p:spPr>
+          <a:xfrm flipH="1" flipV="1">
+            <a:off x="7521490" y="3897793"/>
+            <a:ext cx="1" cy="191726"/>
+          </a:xfrm>
+          <a:prstGeom prst="line">
+            <a:avLst/>
+          </a:prstGeom>
+          <a:ln w="31750">
+            <a:solidFill>
+              <a:schemeClr val="tx1"/>
+            </a:solidFill>
+          </a:ln>
+        </p:spPr>
+        <p:style>
+          <a:lnRef idx="1">
+            <a:schemeClr val="accent1"/>
+          </a:lnRef>
+          <a:fillRef idx="0">
+            <a:schemeClr val="accent1"/>
+          </a:fillRef>
+          <a:effectRef idx="0">
+            <a:schemeClr val="accent1"/>
+          </a:effectRef>
+          <a:fontRef idx="minor">
+            <a:schemeClr val="tx1"/>
+          </a:fontRef>
+        </p:style>
+      </p:cxnSp>
+      <p:cxnSp>
+        <p:nvCxnSpPr>
+          <p:cNvPr id="63" name="Straight Connector 62"/>
+          <p:cNvCxnSpPr>
+            <a:stCxn id="63" idx="0"/>
+            <a:endCxn id="62" idx="2"/>
+          </p:cNvCxnSpPr>
+          <p:nvPr/>
+        </p:nvCxnSpPr>
+        <p:spPr>
+          <a:xfrm flipV="1">
+            <a:off x="7521491" y="3251689"/>
+            <a:ext cx="0" cy="173291"/>
+          </a:xfrm>
+          <a:prstGeom prst="line">
+            <a:avLst/>
+          </a:prstGeom>
+          <a:ln w="31750">
+            <a:solidFill>
+              <a:schemeClr val="tx1"/>
+            </a:solidFill>
+          </a:ln>
+        </p:spPr>
+        <p:style>
+          <a:lnRef idx="1">
+            <a:schemeClr val="accent1"/>
+          </a:lnRef>
+          <a:fillRef idx="0">
+            <a:schemeClr val="accent1"/>
+          </a:fillRef>
+          <a:effectRef idx="0">
+            <a:schemeClr val="accent1"/>
+          </a:effectRef>
+          <a:fontRef idx="minor">
+            <a:schemeClr val="tx1"/>
+          </a:fontRef>
+        </p:style>
+      </p:cxnSp>
+      <p:cxnSp>
+        <p:nvCxnSpPr>
+          <p:cNvPr id="64" name="Straight Connector 63"/>
+          <p:cNvCxnSpPr>
+            <a:stCxn id="53" idx="0"/>
+            <a:endCxn id="65" idx="2"/>
+          </p:cNvCxnSpPr>
+          <p:nvPr/>
+        </p:nvCxnSpPr>
+        <p:spPr>
+          <a:xfrm flipV="1">
+            <a:off x="7521490" y="1887909"/>
+            <a:ext cx="0" cy="178359"/>
+          </a:xfrm>
+          <a:prstGeom prst="line">
+            <a:avLst/>
+          </a:prstGeom>
+          <a:ln w="31750">
+            <a:solidFill>
+              <a:schemeClr val="tx1"/>
+            </a:solidFill>
+          </a:ln>
+        </p:spPr>
+        <p:style>
+          <a:lnRef idx="1">
+            <a:schemeClr val="accent1"/>
+          </a:lnRef>
+          <a:fillRef idx="0">
+            <a:schemeClr val="accent1"/>
+          </a:fillRef>
+          <a:effectRef idx="0">
+            <a:schemeClr val="accent1"/>
+          </a:effectRef>
+          <a:fontRef idx="minor">
+            <a:schemeClr val="tx1"/>
+          </a:fontRef>
+        </p:style>
+      </p:cxnSp>
+      <p:cxnSp>
+        <p:nvCxnSpPr>
+          <p:cNvPr id="65" name="Straight Connector 64"/>
+          <p:cNvCxnSpPr>
+            <a:stCxn id="50" idx="0"/>
+            <a:endCxn id="53" idx="2"/>
+          </p:cNvCxnSpPr>
+          <p:nvPr/>
+        </p:nvCxnSpPr>
+        <p:spPr>
+          <a:xfrm flipV="1">
+            <a:off x="7521490" y="2548165"/>
+            <a:ext cx="0" cy="214759"/>
           </a:xfrm>
           <a:prstGeom prst="line">
             <a:avLst/>

--- a/Latex/ppts/section2.pptx
+++ b/Latex/ppts/section2.pptx
@@ -243,7 +243,7 @@
           <a:p>
             <a:fld id="{135520F0-0A49-9F43-AA44-C897DF556468}" type="datetimeFigureOut">
               <a:rPr lang="en-US" smtClean="0"/>
-              <a:t>6/12/18</a:t>
+              <a:t>7/20/18</a:t>
             </a:fld>
             <a:endParaRPr lang="en-US"/>
           </a:p>
@@ -413,7 +413,7 @@
           <a:p>
             <a:fld id="{135520F0-0A49-9F43-AA44-C897DF556468}" type="datetimeFigureOut">
               <a:rPr lang="en-US" smtClean="0"/>
-              <a:t>6/12/18</a:t>
+              <a:t>7/20/18</a:t>
             </a:fld>
             <a:endParaRPr lang="en-US"/>
           </a:p>
@@ -593,7 +593,7 @@
           <a:p>
             <a:fld id="{135520F0-0A49-9F43-AA44-C897DF556468}" type="datetimeFigureOut">
               <a:rPr lang="en-US" smtClean="0"/>
-              <a:t>6/12/18</a:t>
+              <a:t>7/20/18</a:t>
             </a:fld>
             <a:endParaRPr lang="en-US"/>
           </a:p>
@@ -763,7 +763,7 @@
           <a:p>
             <a:fld id="{135520F0-0A49-9F43-AA44-C897DF556468}" type="datetimeFigureOut">
               <a:rPr lang="en-US" smtClean="0"/>
-              <a:t>6/12/18</a:t>
+              <a:t>7/20/18</a:t>
             </a:fld>
             <a:endParaRPr lang="en-US"/>
           </a:p>
@@ -1009,7 +1009,7 @@
           <a:p>
             <a:fld id="{135520F0-0A49-9F43-AA44-C897DF556468}" type="datetimeFigureOut">
               <a:rPr lang="en-US" smtClean="0"/>
-              <a:t>6/12/18</a:t>
+              <a:t>7/20/18</a:t>
             </a:fld>
             <a:endParaRPr lang="en-US"/>
           </a:p>
@@ -1241,7 +1241,7 @@
           <a:p>
             <a:fld id="{135520F0-0A49-9F43-AA44-C897DF556468}" type="datetimeFigureOut">
               <a:rPr lang="en-US" smtClean="0"/>
-              <a:t>6/12/18</a:t>
+              <a:t>7/20/18</a:t>
             </a:fld>
             <a:endParaRPr lang="en-US"/>
           </a:p>
@@ -1608,7 +1608,7 @@
           <a:p>
             <a:fld id="{135520F0-0A49-9F43-AA44-C897DF556468}" type="datetimeFigureOut">
               <a:rPr lang="en-US" smtClean="0"/>
-              <a:t>6/12/18</a:t>
+              <a:t>7/20/18</a:t>
             </a:fld>
             <a:endParaRPr lang="en-US"/>
           </a:p>
@@ -1726,7 +1726,7 @@
           <a:p>
             <a:fld id="{135520F0-0A49-9F43-AA44-C897DF556468}" type="datetimeFigureOut">
               <a:rPr lang="en-US" smtClean="0"/>
-              <a:t>6/12/18</a:t>
+              <a:t>7/20/18</a:t>
             </a:fld>
             <a:endParaRPr lang="en-US"/>
           </a:p>
@@ -1821,7 +1821,7 @@
           <a:p>
             <a:fld id="{135520F0-0A49-9F43-AA44-C897DF556468}" type="datetimeFigureOut">
               <a:rPr lang="en-US" smtClean="0"/>
-              <a:t>6/12/18</a:t>
+              <a:t>7/20/18</a:t>
             </a:fld>
             <a:endParaRPr lang="en-US"/>
           </a:p>
@@ -2098,7 +2098,7 @@
           <a:p>
             <a:fld id="{135520F0-0A49-9F43-AA44-C897DF556468}" type="datetimeFigureOut">
               <a:rPr lang="en-US" smtClean="0"/>
-              <a:t>6/12/18</a:t>
+              <a:t>7/20/18</a:t>
             </a:fld>
             <a:endParaRPr lang="en-US"/>
           </a:p>
@@ -2351,7 +2351,7 @@
           <a:p>
             <a:fld id="{135520F0-0A49-9F43-AA44-C897DF556468}" type="datetimeFigureOut">
               <a:rPr lang="en-US" smtClean="0"/>
-              <a:t>6/12/18</a:t>
+              <a:t>7/20/18</a:t>
             </a:fld>
             <a:endParaRPr lang="en-US"/>
           </a:p>
@@ -2564,7 +2564,7 @@
           <a:p>
             <a:fld id="{135520F0-0A49-9F43-AA44-C897DF556468}" type="datetimeFigureOut">
               <a:rPr lang="en-US" smtClean="0"/>
-              <a:t>6/12/18</a:t>
+              <a:t>7/20/18</a:t>
             </a:fld>
             <a:endParaRPr lang="en-US"/>
           </a:p>
@@ -3356,7 +3356,7 @@
           <a:p>
             <a:pPr algn="ctr"/>
             <a:r>
-              <a:rPr lang="en-US" sz="1200" smtClean="0"/>
+              <a:rPr lang="en-US" sz="1200" dirty="0" smtClean="0"/>
               <a:t>Output Image</a:t>
             </a:r>
           </a:p>
@@ -3364,7 +3364,7 @@
             <a:pPr algn="ctr"/>
             <a:r>
               <a:rPr lang="en-US" sz="1200" dirty="0" smtClean="0"/>
-              <a:t>60x60x128</a:t>
+              <a:t>60x60x512</a:t>
             </a:r>
             <a:endParaRPr lang="en-US" sz="1200" dirty="0"/>
           </a:p>
@@ -3439,7 +3439,7 @@
           <a:p>
             <a:pPr algn="ctr"/>
             <a:r>
-              <a:rPr lang="en-US" sz="1200" smtClean="0"/>
+              <a:rPr lang="en-US" sz="1200" dirty="0" smtClean="0"/>
               <a:t>Input Image</a:t>
             </a:r>
           </a:p>
@@ -3447,7 +3447,7 @@
             <a:pPr algn="ctr"/>
             <a:r>
               <a:rPr lang="en-US" sz="1200" dirty="0" smtClean="0"/>
-              <a:t>120x120x128</a:t>
+              <a:t>120x120x512</a:t>
             </a:r>
             <a:endParaRPr lang="en-US" sz="1200" dirty="0"/>
           </a:p>
@@ -3467,6 +3467,12 @@
           <a:prstGeom prst="rect">
             <a:avLst/>
           </a:prstGeom>
+          <a:solidFill>
+            <a:schemeClr val="accent4">
+              <a:lumMod val="40000"/>
+              <a:lumOff val="60000"/>
+            </a:schemeClr>
+          </a:solidFill>
         </p:spPr>
         <p:style>
           <a:lnRef idx="2">
@@ -4146,7 +4152,7 @@
           <a:p>
             <a:pPr algn="ctr"/>
             <a:r>
-              <a:rPr lang="en-US" sz="1200" smtClean="0"/>
+              <a:rPr lang="en-US" sz="1200" dirty="0" smtClean="0"/>
               <a:t>Output Image</a:t>
             </a:r>
           </a:p>
@@ -4154,11 +4160,7 @@
             <a:pPr algn="ctr"/>
             <a:r>
               <a:rPr lang="en-US" sz="1200" dirty="0" smtClean="0"/>
-              <a:t>30</a:t>
-            </a:r>
-            <a:r>
-              <a:rPr lang="en-US" sz="1200" dirty="0" smtClean="0"/>
-              <a:t>x30x128</a:t>
+              <a:t>30x30x512</a:t>
             </a:r>
             <a:endParaRPr lang="en-US" sz="1200" dirty="0"/>
           </a:p>
@@ -4233,19 +4235,15 @@
           <a:p>
             <a:pPr algn="ctr"/>
             <a:r>
+              <a:rPr lang="en-US" sz="1200" dirty="0" smtClean="0"/>
+              <a:t>Input Image</a:t>
+            </a:r>
+          </a:p>
+          <a:p>
+            <a:pPr algn="ctr"/>
+            <a:r>
               <a:rPr lang="en-US" sz="1200" smtClean="0"/>
-              <a:t>Input Image</a:t>
-            </a:r>
-          </a:p>
-          <a:p>
-            <a:pPr algn="ctr"/>
-            <a:r>
-              <a:rPr lang="en-US" sz="1200" dirty="0" smtClean="0"/>
-              <a:t>60</a:t>
-            </a:r>
-            <a:r>
-              <a:rPr lang="en-US" sz="1200" dirty="0" smtClean="0"/>
-              <a:t>x60x128</a:t>
+              <a:t>60x60x512</a:t>
             </a:r>
             <a:endParaRPr lang="en-US" sz="1200" dirty="0"/>
           </a:p>
@@ -4265,6 +4263,12 @@
           <a:prstGeom prst="rect">
             <a:avLst/>
           </a:prstGeom>
+          <a:solidFill>
+            <a:schemeClr val="accent4">
+              <a:lumMod val="40000"/>
+              <a:lumOff val="60000"/>
+            </a:schemeClr>
+          </a:solidFill>
         </p:spPr>
         <p:style>
           <a:lnRef idx="2">
